--- a/clarifying info.pptx
+++ b/clarifying info.pptx
@@ -6847,6 +6847,36 @@
           </a:prstGeom>
         </p:spPr>
       </p:pic>
+      <p:pic>
+        <p:nvPicPr>
+          <p:cNvPr id="5" name="Picture 4"/>
+          <p:cNvPicPr>
+            <a:picLocks noChangeAspect="1"/>
+          </p:cNvPicPr>
+          <p:nvPr/>
+        </p:nvPicPr>
+        <p:blipFill>
+          <a:blip r:embed="rId6">
+            <a:extLst>
+              <a:ext uri="{28A0092B-C50C-407E-A947-70E740481C1C}">
+                <a14:useLocalDpi xmlns:a14="http://schemas.microsoft.com/office/drawing/2010/main" val="0"/>
+              </a:ext>
+            </a:extLst>
+          </a:blip>
+          <a:stretch>
+            <a:fillRect/>
+          </a:stretch>
+        </p:blipFill>
+        <p:spPr>
+          <a:xfrm>
+            <a:off x="7145486" y="3147194"/>
+            <a:ext cx="1250623" cy="1250623"/>
+          </a:xfrm>
+          <a:prstGeom prst="rect">
+            <a:avLst/>
+          </a:prstGeom>
+        </p:spPr>
+      </p:pic>
     </p:spTree>
   </p:cSld>
   <p:clrMapOvr>

--- a/clarifying info.pptx
+++ b/clarifying info.pptx
@@ -6236,8 +6236,8 @@
               <a:buNone/>
             </a:pPr>
             <a:r>
-              <a:rPr lang="en-US" dirty="0" err="1" smtClean="0"/>
-              <a:t>Deeti</a:t>
+              <a:rPr lang="en-US" smtClean="0"/>
+              <a:t>Deepti</a:t>
             </a:r>
             <a:r>
               <a:rPr lang="en-US" dirty="0" smtClean="0"/>
